--- a/docs/diagrams/SearchPruningStateDiagram.pptx
+++ b/docs/diagrams/SearchPruningStateDiagram.pptx
@@ -107,6 +107,11 @@
       </a:defRPr>
     </a:lvl9pPr>
   </p:defaultTextStyle>
+  <p:extLst>
+    <p:ext uri="{EFAFB233-063F-42B5-8137-9DF3F51BA10A}">
+      <p15:sldGuideLst xmlns:p15="http://schemas.microsoft.com/office/powerpoint/2012/main"/>
+    </p:ext>
+  </p:extLst>
 </p:presentation>
 </file>
 
@@ -257,7 +262,7 @@
           <a:p>
             <a:fld id="{54CA2098-B5E2-40DE-876F-1017C989B691}" type="datetimeFigureOut">
               <a:rPr lang="en-US" smtClean="0"/>
-              <a:t>10/18/2018</a:t>
+              <a:t>11/11/2018</a:t>
             </a:fld>
             <a:endParaRPr lang="en-US"/>
           </a:p>
@@ -455,7 +460,7 @@
           <a:p>
             <a:fld id="{54CA2098-B5E2-40DE-876F-1017C989B691}" type="datetimeFigureOut">
               <a:rPr lang="en-US" smtClean="0"/>
-              <a:t>10/18/2018</a:t>
+              <a:t>11/11/2018</a:t>
             </a:fld>
             <a:endParaRPr lang="en-US"/>
           </a:p>
@@ -663,7 +668,7 @@
           <a:p>
             <a:fld id="{54CA2098-B5E2-40DE-876F-1017C989B691}" type="datetimeFigureOut">
               <a:rPr lang="en-US" smtClean="0"/>
-              <a:t>10/18/2018</a:t>
+              <a:t>11/11/2018</a:t>
             </a:fld>
             <a:endParaRPr lang="en-US"/>
           </a:p>
@@ -861,7 +866,7 @@
           <a:p>
             <a:fld id="{54CA2098-B5E2-40DE-876F-1017C989B691}" type="datetimeFigureOut">
               <a:rPr lang="en-US" smtClean="0"/>
-              <a:t>10/18/2018</a:t>
+              <a:t>11/11/2018</a:t>
             </a:fld>
             <a:endParaRPr lang="en-US"/>
           </a:p>
@@ -1136,7 +1141,7 @@
           <a:p>
             <a:fld id="{54CA2098-B5E2-40DE-876F-1017C989B691}" type="datetimeFigureOut">
               <a:rPr lang="en-US" smtClean="0"/>
-              <a:t>10/18/2018</a:t>
+              <a:t>11/11/2018</a:t>
             </a:fld>
             <a:endParaRPr lang="en-US"/>
           </a:p>
@@ -1401,7 +1406,7 @@
           <a:p>
             <a:fld id="{54CA2098-B5E2-40DE-876F-1017C989B691}" type="datetimeFigureOut">
               <a:rPr lang="en-US" smtClean="0"/>
-              <a:t>10/18/2018</a:t>
+              <a:t>11/11/2018</a:t>
             </a:fld>
             <a:endParaRPr lang="en-US"/>
           </a:p>
@@ -1813,7 +1818,7 @@
           <a:p>
             <a:fld id="{54CA2098-B5E2-40DE-876F-1017C989B691}" type="datetimeFigureOut">
               <a:rPr lang="en-US" smtClean="0"/>
-              <a:t>10/18/2018</a:t>
+              <a:t>11/11/2018</a:t>
             </a:fld>
             <a:endParaRPr lang="en-US"/>
           </a:p>
@@ -1954,7 +1959,7 @@
           <a:p>
             <a:fld id="{54CA2098-B5E2-40DE-876F-1017C989B691}" type="datetimeFigureOut">
               <a:rPr lang="en-US" smtClean="0"/>
-              <a:t>10/18/2018</a:t>
+              <a:t>11/11/2018</a:t>
             </a:fld>
             <a:endParaRPr lang="en-US"/>
           </a:p>
@@ -2067,7 +2072,7 @@
           <a:p>
             <a:fld id="{54CA2098-B5E2-40DE-876F-1017C989B691}" type="datetimeFigureOut">
               <a:rPr lang="en-US" smtClean="0"/>
-              <a:t>10/18/2018</a:t>
+              <a:t>11/11/2018</a:t>
             </a:fld>
             <a:endParaRPr lang="en-US"/>
           </a:p>
@@ -2378,7 +2383,7 @@
           <a:p>
             <a:fld id="{54CA2098-B5E2-40DE-876F-1017C989B691}" type="datetimeFigureOut">
               <a:rPr lang="en-US" smtClean="0"/>
-              <a:t>10/18/2018</a:t>
+              <a:t>11/11/2018</a:t>
             </a:fld>
             <a:endParaRPr lang="en-US"/>
           </a:p>
@@ -2666,7 +2671,7 @@
           <a:p>
             <a:fld id="{54CA2098-B5E2-40DE-876F-1017C989B691}" type="datetimeFigureOut">
               <a:rPr lang="en-US" smtClean="0"/>
-              <a:t>10/18/2018</a:t>
+              <a:t>11/11/2018</a:t>
             </a:fld>
             <a:endParaRPr lang="en-US"/>
           </a:p>
@@ -2907,7 +2912,7 @@
           <a:p>
             <a:fld id="{54CA2098-B5E2-40DE-876F-1017C989B691}" type="datetimeFigureOut">
               <a:rPr lang="en-US" smtClean="0"/>
-              <a:t>10/18/2018</a:t>
+              <a:t>11/11/2018</a:t>
             </a:fld>
             <a:endParaRPr lang="en-US"/>
           </a:p>
@@ -3864,7 +3869,7 @@
           <p:nvPr>
             <p:extLst>
               <p:ext uri="{D42A27DB-BD31-4B8C-83A1-F6EECF244321}">
-                <p14:modId xmlns:p14="http://schemas.microsoft.com/office/powerpoint/2010/main" val="4289397959"/>
+                <p14:modId xmlns:p14="http://schemas.microsoft.com/office/powerpoint/2010/main" val="2153049687"/>
               </p:ext>
             </p:extLst>
           </p:nvPr>
@@ -3951,14 +3956,14 @@
           <p:nvPr>
             <p:extLst>
               <p:ext uri="{D42A27DB-BD31-4B8C-83A1-F6EECF244321}">
-                <p14:modId xmlns:p14="http://schemas.microsoft.com/office/powerpoint/2010/main" val="3967473458"/>
+                <p14:modId xmlns:p14="http://schemas.microsoft.com/office/powerpoint/2010/main" val="3521805577"/>
               </p:ext>
             </p:extLst>
           </p:nvPr>
         </p:nvGraphicFramePr>
         <p:xfrm>
           <a:off x="3787252" y="4326194"/>
-          <a:ext cx="1654769" cy="410363"/>
+          <a:ext cx="1390075" cy="410363"/>
         </p:xfrm>
         <a:graphic>
           <a:graphicData uri="http://schemas.openxmlformats.org/drawingml/2006/table">
@@ -3967,7 +3972,7 @@
                 <a:tableStyleId>{638B1855-1B75-4FBE-930C-398BA8C253C6}</a:tableStyleId>
               </a:tblPr>
               <a:tblGrid>
-                <a:gridCol w="1654769">
+                <a:gridCol w="1390075">
                   <a:extLst>
                     <a:ext uri="{9D8B030D-6E8A-4147-A177-3AD203B41FA5}">
                       <a16:colId xmlns:a16="http://schemas.microsoft.com/office/drawing/2014/main" val="4240773277"/>
@@ -4249,8 +4254,8 @@
         </p:nvCxnSpPr>
         <p:spPr>
           <a:xfrm>
-            <a:off x="5564885" y="4531375"/>
-            <a:ext cx="993982" cy="0"/>
+            <a:off x="5302332" y="4531375"/>
+            <a:ext cx="1256535" cy="0"/>
           </a:xfrm>
           <a:prstGeom prst="straightConnector1">
             <a:avLst/>
@@ -4289,13 +4294,13 @@
           <p:nvPr>
             <p:extLst>
               <p:ext uri="{D42A27DB-BD31-4B8C-83A1-F6EECF244321}">
-                <p14:modId xmlns:p14="http://schemas.microsoft.com/office/powerpoint/2010/main" val="879740697"/>
+                <p14:modId xmlns:p14="http://schemas.microsoft.com/office/powerpoint/2010/main" val="2386956139"/>
               </p:ext>
             </p:extLst>
           </p:nvPr>
         </p:nvGraphicFramePr>
         <p:xfrm>
-          <a:off x="6753373" y="4321851"/>
+          <a:off x="6645761" y="4326193"/>
           <a:ext cx="1420052" cy="410363"/>
         </p:xfrm>
         <a:graphic>
@@ -4375,7 +4380,7 @@
         </p:nvSpPr>
         <p:spPr>
           <a:xfrm>
-            <a:off x="5442022" y="4326194"/>
+            <a:off x="5270190" y="4326194"/>
             <a:ext cx="1311352" cy="230832"/>
           </a:xfrm>
           <a:prstGeom prst="rect">
@@ -4523,7 +4528,7 @@
           <p:nvPr>
             <p:extLst>
               <p:ext uri="{D42A27DB-BD31-4B8C-83A1-F6EECF244321}">
-                <p14:modId xmlns:p14="http://schemas.microsoft.com/office/powerpoint/2010/main" val="1676431320"/>
+                <p14:modId xmlns:p14="http://schemas.microsoft.com/office/powerpoint/2010/main" val="729721592"/>
               </p:ext>
             </p:extLst>
           </p:nvPr>
@@ -4743,7 +4748,7 @@
           <p:nvPr>
             <p:extLst>
               <p:ext uri="{D42A27DB-BD31-4B8C-83A1-F6EECF244321}">
-                <p14:modId xmlns:p14="http://schemas.microsoft.com/office/powerpoint/2010/main" val="3504283567"/>
+                <p14:modId xmlns:p14="http://schemas.microsoft.com/office/powerpoint/2010/main" val="2670426459"/>
               </p:ext>
             </p:extLst>
           </p:nvPr>
@@ -4815,6 +4820,110 @@
           </a:graphicData>
         </a:graphic>
       </p:graphicFrame>
+      <p:sp>
+        <p:nvSpPr>
+          <p:cNvPr id="3" name="Rectangle 2">
+            <a:extLst>
+              <a:ext uri="{FF2B5EF4-FFF2-40B4-BE49-F238E27FC236}">
+                <a16:creationId xmlns:a16="http://schemas.microsoft.com/office/drawing/2014/main" id="{9C7FB8BB-4DFC-4557-A4A1-264D615FA142}"/>
+              </a:ext>
+            </a:extLst>
+          </p:cNvPr>
+          <p:cNvSpPr/>
+          <p:nvPr/>
+        </p:nvSpPr>
+        <p:spPr>
+          <a:xfrm>
+            <a:off x="299724" y="1641763"/>
+            <a:ext cx="261257" cy="3574473"/>
+          </a:xfrm>
+          <a:prstGeom prst="rect">
+            <a:avLst/>
+          </a:prstGeom>
+          <a:solidFill>
+            <a:schemeClr val="bg1"/>
+          </a:solidFill>
+          <a:ln>
+            <a:noFill/>
+          </a:ln>
+        </p:spPr>
+        <p:style>
+          <a:lnRef idx="2">
+            <a:schemeClr val="accent1">
+              <a:shade val="50000"/>
+            </a:schemeClr>
+          </a:lnRef>
+          <a:fillRef idx="1">
+            <a:schemeClr val="accent1"/>
+          </a:fillRef>
+          <a:effectRef idx="0">
+            <a:schemeClr val="accent1"/>
+          </a:effectRef>
+          <a:fontRef idx="minor">
+            <a:schemeClr val="lt1"/>
+          </a:fontRef>
+        </p:style>
+        <p:txBody>
+          <a:bodyPr rtlCol="0" anchor="ctr"/>
+          <a:lstStyle/>
+          <a:p>
+            <a:pPr algn="ctr"/>
+            <a:endParaRPr lang="en-US"/>
+          </a:p>
+        </p:txBody>
+      </p:sp>
+      <p:sp>
+        <p:nvSpPr>
+          <p:cNvPr id="21" name="Rectangle 20">
+            <a:extLst>
+              <a:ext uri="{FF2B5EF4-FFF2-40B4-BE49-F238E27FC236}">
+                <a16:creationId xmlns:a16="http://schemas.microsoft.com/office/drawing/2014/main" id="{75B26C98-41F7-4B82-9318-20AC2463D1C0}"/>
+              </a:ext>
+            </a:extLst>
+          </p:cNvPr>
+          <p:cNvSpPr/>
+          <p:nvPr/>
+        </p:nvSpPr>
+        <p:spPr>
+          <a:xfrm>
+            <a:off x="11561472" y="1473790"/>
+            <a:ext cx="261257" cy="3574473"/>
+          </a:xfrm>
+          <a:prstGeom prst="rect">
+            <a:avLst/>
+          </a:prstGeom>
+          <a:solidFill>
+            <a:schemeClr val="bg1"/>
+          </a:solidFill>
+          <a:ln>
+            <a:noFill/>
+          </a:ln>
+        </p:spPr>
+        <p:style>
+          <a:lnRef idx="2">
+            <a:schemeClr val="accent1">
+              <a:shade val="50000"/>
+            </a:schemeClr>
+          </a:lnRef>
+          <a:fillRef idx="1">
+            <a:schemeClr val="accent1"/>
+          </a:fillRef>
+          <a:effectRef idx="0">
+            <a:schemeClr val="accent1"/>
+          </a:effectRef>
+          <a:fontRef idx="minor">
+            <a:schemeClr val="lt1"/>
+          </a:fontRef>
+        </p:style>
+        <p:txBody>
+          <a:bodyPr rtlCol="0" anchor="ctr"/>
+          <a:lstStyle/>
+          <a:p>
+            <a:pPr algn="ctr"/>
+            <a:endParaRPr lang="en-US"/>
+          </a:p>
+        </p:txBody>
+      </p:sp>
     </p:spTree>
     <p:extLst>
       <p:ext uri="{BB962C8B-B14F-4D97-AF65-F5344CB8AC3E}">
